--- a/DATA CLEANING USING PANDAS.pptx
+++ b/DATA CLEANING USING PANDAS.pptx
@@ -7768,9 +7768,20 @@
           </a:pPr>
           <a:r>
             <a:rPr lang="en-IN" sz="3200" dirty="0" err="1"/>
-            <a:t>Data_frame</a:t>
+            <a:t>Data_frame.groupby</a:t>
           </a:r>
-          <a:endParaRPr lang="en-IN" sz="3200" dirty="0"/>
+          <a:r>
+            <a:rPr lang="en-IN" sz="3200" dirty="0"/>
+            <a:t>().</a:t>
+          </a:r>
+          <a:r>
+            <a:rPr lang="en-IN" sz="3200" dirty="0" err="1"/>
+            <a:t>agg</a:t>
+          </a:r>
+          <a:r>
+            <a:rPr lang="en-IN" sz="3200" dirty="0"/>
+            <a:t>()</a:t>
+          </a:r>
         </a:p>
       </dgm:t>
     </dgm:pt>
@@ -8065,7 +8076,7 @@
           </a:pPr>
           <a:r>
             <a:rPr lang="en-IN" sz="3200" dirty="0" err="1"/>
-            <a:t>Data_frame.combine</a:t>
+            <a:t>Data_frame.join</a:t>
           </a:r>
           <a:r>
             <a:rPr lang="en-IN" sz="3200" dirty="0"/>
@@ -8115,11 +8126,19 @@
           </a:pPr>
           <a:r>
             <a:rPr lang="en-IN" sz="3200" dirty="0" err="1"/>
-            <a:t>Data_frame.join</a:t>
+            <a:t>Data_frame.concat</a:t>
           </a:r>
           <a:r>
             <a:rPr lang="en-IN" sz="3200" dirty="0"/>
-            <a:t>()</a:t>
+            <a:t>([</a:t>
+          </a:r>
+          <a:r>
+            <a:rPr lang="en-IN" sz="3200" dirty="0" err="1"/>
+            <a:t>df</a:t>
+          </a:r>
+          <a:r>
+            <a:rPr lang="en-IN" sz="3200" dirty="0"/>
+            <a:t>],axis=[0,1])</a:t>
           </a:r>
         </a:p>
       </dgm:t>
@@ -10609,9 +10628,20 @@
           </a:pPr>
           <a:r>
             <a:rPr lang="en-IN" sz="3200" kern="1200" dirty="0" err="1"/>
-            <a:t>Data_frame</a:t>
+            <a:t>Data_frame.groupby</a:t>
           </a:r>
-          <a:endParaRPr lang="en-IN" sz="3200" kern="1200" dirty="0"/>
+          <a:r>
+            <a:rPr lang="en-IN" sz="3200" kern="1200" dirty="0"/>
+            <a:t>().</a:t>
+          </a:r>
+          <a:r>
+            <a:rPr lang="en-IN" sz="3200" kern="1200" dirty="0" err="1"/>
+            <a:t>agg</a:t>
+          </a:r>
+          <a:r>
+            <a:rPr lang="en-IN" sz="3200" kern="1200" dirty="0"/>
+            <a:t>()</a:t>
+          </a:r>
         </a:p>
       </dsp:txBody>
       <dsp:txXfrm>
@@ -10756,7 +10786,7 @@
           </a:pPr>
           <a:r>
             <a:rPr lang="en-IN" sz="3200" kern="1200" dirty="0" err="1"/>
-            <a:t>Data_frame.combine</a:t>
+            <a:t>Data_frame.join</a:t>
           </a:r>
           <a:r>
             <a:rPr lang="en-IN" sz="3200" kern="1200" dirty="0"/>
@@ -10825,11 +10855,19 @@
           </a:pPr>
           <a:r>
             <a:rPr lang="en-IN" sz="3200" kern="1200" dirty="0" err="1"/>
-            <a:t>Data_frame.join</a:t>
+            <a:t>Data_frame.concat</a:t>
           </a:r>
           <a:r>
             <a:rPr lang="en-IN" sz="3200" kern="1200" dirty="0"/>
-            <a:t>()</a:t>
+            <a:t>([</a:t>
+          </a:r>
+          <a:r>
+            <a:rPr lang="en-IN" sz="3200" kern="1200" dirty="0" err="1"/>
+            <a:t>df</a:t>
+          </a:r>
+          <a:r>
+            <a:rPr lang="en-IN" sz="3200" kern="1200" dirty="0"/>
+            <a:t>],axis=[0,1])</a:t>
           </a:r>
         </a:p>
       </dsp:txBody>
@@ -19573,7 +19611,7 @@
           <a:p>
             <a:fld id="{78847EAE-F698-42F4-BC0D-D7C71A4B1B75}" type="datetimeFigureOut">
               <a:rPr lang="en-IN" smtClean="0"/>
-              <a:t>19-06-2023</a:t>
+              <a:t>20-06-2023</a:t>
             </a:fld>
             <a:endParaRPr lang="en-IN"/>
           </a:p>
@@ -19907,7 +19945,7 @@
           <a:p>
             <a:fld id="{78847EAE-F698-42F4-BC0D-D7C71A4B1B75}" type="datetimeFigureOut">
               <a:rPr lang="en-IN" smtClean="0"/>
-              <a:t>19-06-2023</a:t>
+              <a:t>20-06-2023</a:t>
             </a:fld>
             <a:endParaRPr lang="en-IN"/>
           </a:p>
@@ -20185,7 +20223,7 @@
           <a:p>
             <a:fld id="{78847EAE-F698-42F4-BC0D-D7C71A4B1B75}" type="datetimeFigureOut">
               <a:rPr lang="en-IN" smtClean="0"/>
-              <a:t>19-06-2023</a:t>
+              <a:t>20-06-2023</a:t>
             </a:fld>
             <a:endParaRPr lang="en-IN"/>
           </a:p>
@@ -20753,7 +20791,7 @@
           <a:p>
             <a:fld id="{78847EAE-F698-42F4-BC0D-D7C71A4B1B75}" type="datetimeFigureOut">
               <a:rPr lang="en-IN" smtClean="0"/>
-              <a:t>19-06-2023</a:t>
+              <a:t>20-06-2023</a:t>
             </a:fld>
             <a:endParaRPr lang="en-IN"/>
           </a:p>
@@ -21031,7 +21069,7 @@
           <a:p>
             <a:fld id="{78847EAE-F698-42F4-BC0D-D7C71A4B1B75}" type="datetimeFigureOut">
               <a:rPr lang="en-IN" smtClean="0"/>
-              <a:t>19-06-2023</a:t>
+              <a:t>20-06-2023</a:t>
             </a:fld>
             <a:endParaRPr lang="en-IN"/>
           </a:p>
@@ -21593,7 +21631,7 @@
           <a:p>
             <a:fld id="{78847EAE-F698-42F4-BC0D-D7C71A4B1B75}" type="datetimeFigureOut">
               <a:rPr lang="en-IN" smtClean="0"/>
-              <a:t>19-06-2023</a:t>
+              <a:t>20-06-2023</a:t>
             </a:fld>
             <a:endParaRPr lang="en-IN"/>
           </a:p>
@@ -21920,7 +21958,7 @@
           <a:p>
             <a:fld id="{78847EAE-F698-42F4-BC0D-D7C71A4B1B75}" type="datetimeFigureOut">
               <a:rPr lang="en-IN" smtClean="0"/>
-              <a:t>19-06-2023</a:t>
+              <a:t>20-06-2023</a:t>
             </a:fld>
             <a:endParaRPr lang="en-IN"/>
           </a:p>
@@ -22097,7 +22135,7 @@
           <a:p>
             <a:fld id="{78847EAE-F698-42F4-BC0D-D7C71A4B1B75}" type="datetimeFigureOut">
               <a:rPr lang="en-IN" smtClean="0"/>
-              <a:t>19-06-2023</a:t>
+              <a:t>20-06-2023</a:t>
             </a:fld>
             <a:endParaRPr lang="en-IN"/>
           </a:p>
@@ -22335,7 +22373,7 @@
           <a:p>
             <a:fld id="{78847EAE-F698-42F4-BC0D-D7C71A4B1B75}" type="datetimeFigureOut">
               <a:rPr lang="en-IN" smtClean="0"/>
-              <a:t>19-06-2023</a:t>
+              <a:t>20-06-2023</a:t>
             </a:fld>
             <a:endParaRPr lang="en-IN"/>
           </a:p>
@@ -22535,7 +22573,7 @@
           <a:p>
             <a:fld id="{78847EAE-F698-42F4-BC0D-D7C71A4B1B75}" type="datetimeFigureOut">
               <a:rPr lang="en-IN" smtClean="0"/>
-              <a:t>19-06-2023</a:t>
+              <a:t>20-06-2023</a:t>
             </a:fld>
             <a:endParaRPr lang="en-IN"/>
           </a:p>
@@ -22811,7 +22849,7 @@
           <a:p>
             <a:fld id="{78847EAE-F698-42F4-BC0D-D7C71A4B1B75}" type="datetimeFigureOut">
               <a:rPr lang="en-IN" smtClean="0"/>
-              <a:t>19-06-2023</a:t>
+              <a:t>20-06-2023</a:t>
             </a:fld>
             <a:endParaRPr lang="en-IN"/>
           </a:p>
@@ -23077,7 +23115,7 @@
           <a:p>
             <a:fld id="{78847EAE-F698-42F4-BC0D-D7C71A4B1B75}" type="datetimeFigureOut">
               <a:rPr lang="en-IN" smtClean="0"/>
-              <a:t>19-06-2023</a:t>
+              <a:t>20-06-2023</a:t>
             </a:fld>
             <a:endParaRPr lang="en-IN"/>
           </a:p>
@@ -23451,7 +23489,7 @@
           <a:p>
             <a:fld id="{78847EAE-F698-42F4-BC0D-D7C71A4B1B75}" type="datetimeFigureOut">
               <a:rPr lang="en-IN" smtClean="0"/>
-              <a:t>19-06-2023</a:t>
+              <a:t>20-06-2023</a:t>
             </a:fld>
             <a:endParaRPr lang="en-IN"/>
           </a:p>
@@ -23599,7 +23637,7 @@
           <a:p>
             <a:fld id="{78847EAE-F698-42F4-BC0D-D7C71A4B1B75}" type="datetimeFigureOut">
               <a:rPr lang="en-IN" smtClean="0"/>
-              <a:t>19-06-2023</a:t>
+              <a:t>20-06-2023</a:t>
             </a:fld>
             <a:endParaRPr lang="en-IN"/>
           </a:p>
@@ -23724,7 +23762,7 @@
           <a:p>
             <a:fld id="{78847EAE-F698-42F4-BC0D-D7C71A4B1B75}" type="datetimeFigureOut">
               <a:rPr lang="en-IN" smtClean="0"/>
-              <a:t>19-06-2023</a:t>
+              <a:t>20-06-2023</a:t>
             </a:fld>
             <a:endParaRPr lang="en-IN"/>
           </a:p>
@@ -24009,7 +24047,7 @@
           <a:p>
             <a:fld id="{78847EAE-F698-42F4-BC0D-D7C71A4B1B75}" type="datetimeFigureOut">
               <a:rPr lang="en-IN" smtClean="0"/>
-              <a:t>19-06-2023</a:t>
+              <a:t>20-06-2023</a:t>
             </a:fld>
             <a:endParaRPr lang="en-IN"/>
           </a:p>
@@ -24333,7 +24371,7 @@
           <a:p>
             <a:fld id="{78847EAE-F698-42F4-BC0D-D7C71A4B1B75}" type="datetimeFigureOut">
               <a:rPr lang="en-IN" smtClean="0"/>
-              <a:t>19-06-2023</a:t>
+              <a:t>20-06-2023</a:t>
             </a:fld>
             <a:endParaRPr lang="en-IN"/>
           </a:p>
@@ -24547,7 +24585,7 @@
           <a:p>
             <a:fld id="{78847EAE-F698-42F4-BC0D-D7C71A4B1B75}" type="datetimeFigureOut">
               <a:rPr lang="en-IN" smtClean="0"/>
-              <a:t>19-06-2023</a:t>
+              <a:t>20-06-2023</a:t>
             </a:fld>
             <a:endParaRPr lang="en-IN"/>
           </a:p>
@@ -25078,7 +25116,7 @@
         </p:nvSpPr>
         <p:spPr>
           <a:xfrm>
-            <a:off x="479976" y="531222"/>
+            <a:off x="1300211" y="1691975"/>
             <a:ext cx="9591577" cy="3474050"/>
           </a:xfrm>
         </p:spPr>
@@ -25179,13 +25217,13 @@
             <p:ph idx="1"/>
             <p:extLst>
               <p:ext uri="{D42A27DB-BD31-4B8C-83A1-F6EECF244321}">
-                <p14:modId xmlns:p14="http://schemas.microsoft.com/office/powerpoint/2010/main" val="1284855328"/>
+                <p14:modId xmlns:p14="http://schemas.microsoft.com/office/powerpoint/2010/main" val="1767725414"/>
               </p:ext>
             </p:extLst>
           </p:nvPr>
         </p:nvGraphicFramePr>
         <p:xfrm>
-          <a:off x="2916873" y="2462591"/>
+          <a:off x="513307" y="2366797"/>
           <a:ext cx="5669280" cy="3108960"/>
         </p:xfrm>
         <a:graphic>
@@ -25765,6 +25803,66 @@
           </a:graphicData>
         </a:graphic>
       </p:graphicFrame>
+      <p:pic>
+        <p:nvPicPr>
+          <p:cNvPr id="3" name="Picture 2">
+            <a:extLst>
+              <a:ext uri="{FF2B5EF4-FFF2-40B4-BE49-F238E27FC236}">
+                <a16:creationId xmlns:a16="http://schemas.microsoft.com/office/drawing/2014/main" id="{9037ADA9-CAE3-70D6-CB45-E6F033C8D6E2}"/>
+              </a:ext>
+            </a:extLst>
+          </p:cNvPr>
+          <p:cNvPicPr>
+            <a:picLocks noChangeAspect="1"/>
+          </p:cNvPicPr>
+          <p:nvPr/>
+        </p:nvPicPr>
+        <p:blipFill>
+          <a:blip r:embed="rId2">
+            <a:extLst>
+              <a:ext uri="{28A0092B-C50C-407E-A947-70E740481C1C}">
+                <a14:useLocalDpi xmlns:a14="http://schemas.microsoft.com/office/drawing/2010/main" val="0"/>
+              </a:ext>
+            </a:extLst>
+          </a:blip>
+          <a:stretch>
+            <a:fillRect/>
+          </a:stretch>
+        </p:blipFill>
+        <p:spPr>
+          <a:xfrm>
+            <a:off x="6743699" y="1666059"/>
+            <a:ext cx="4762500" cy="4762500"/>
+          </a:xfrm>
+          <a:prstGeom prst="ellipse">
+            <a:avLst/>
+          </a:prstGeom>
+          <a:ln w="63500" cap="rnd">
+            <a:solidFill>
+              <a:srgbClr val="333333"/>
+            </a:solidFill>
+          </a:ln>
+          <a:effectLst>
+            <a:outerShdw blurRad="381000" dist="292100" dir="5400000" sx="-80000" sy="-18000" rotWithShape="0">
+              <a:srgbClr val="000000">
+                <a:alpha val="22000"/>
+              </a:srgbClr>
+            </a:outerShdw>
+          </a:effectLst>
+          <a:scene3d>
+            <a:camera prst="orthographicFront"/>
+            <a:lightRig rig="contrasting" dir="t">
+              <a:rot lat="0" lon="0" rev="3000000"/>
+            </a:lightRig>
+          </a:scene3d>
+          <a:sp3d contourW="7620">
+            <a:bevelT w="95250" h="31750"/>
+            <a:contourClr>
+              <a:srgbClr val="333333"/>
+            </a:contourClr>
+          </a:sp3d>
+        </p:spPr>
+      </p:pic>
     </p:spTree>
     <p:extLst>
       <p:ext uri="{BB962C8B-B14F-4D97-AF65-F5344CB8AC3E}">
@@ -26464,7 +26562,7 @@
           <p:nvPr>
             <p:extLst>
               <p:ext uri="{D42A27DB-BD31-4B8C-83A1-F6EECF244321}">
-                <p14:modId xmlns:p14="http://schemas.microsoft.com/office/powerpoint/2010/main" val="3142509317"/>
+                <p14:modId xmlns:p14="http://schemas.microsoft.com/office/powerpoint/2010/main" val="1529817682"/>
               </p:ext>
             </p:extLst>
           </p:nvPr>
@@ -26543,7 +26641,7 @@
                 <a:latin typeface="Cascadia Code SemiBold" panose="020B0609020000020004" pitchFamily="49" charset="0"/>
                 <a:cs typeface="Cascadia Code SemiBold" panose="020B0609020000020004" pitchFamily="49" charset="0"/>
               </a:rPr>
-              <a:t>RENAMING AND COMBINING</a:t>
+              <a:t>RENAMING AND JOINING</a:t>
             </a:r>
           </a:p>
         </p:txBody>
@@ -26561,7 +26659,7 @@
           <p:nvPr>
             <p:extLst>
               <p:ext uri="{D42A27DB-BD31-4B8C-83A1-F6EECF244321}">
-                <p14:modId xmlns:p14="http://schemas.microsoft.com/office/powerpoint/2010/main" val="1034041042"/>
+                <p14:modId xmlns:p14="http://schemas.microsoft.com/office/powerpoint/2010/main" val="3600836532"/>
               </p:ext>
             </p:extLst>
           </p:nvPr>
